--- a/Databasae management system/theory/course material/after mid files/IN Any All.pptx
+++ b/Databasae management system/theory/course material/after mid files/IN Any All.pptx
@@ -215,7 +215,7 @@
           <a:p>
             <a:fld id="{61D22930-F053-4648-A84F-D329A8A4CCC7}" type="datetimeFigureOut">
               <a:rPr lang="en-US" smtClean="0"/>
-              <a:t>12/19/2024</a:t>
+              <a:t>2/2/2025</a:t>
             </a:fld>
             <a:endParaRPr lang="en-US"/>
           </a:p>
@@ -611,7 +611,7 @@
           <a:p>
             <a:fld id="{3038A2D5-06F6-481C-A179-49D637BFD8DC}" type="datetimeFigureOut">
               <a:rPr lang="en-US" smtClean="0"/>
-              <a:t>12/19/2024</a:t>
+              <a:t>2/2/2025</a:t>
             </a:fld>
             <a:endParaRPr lang="en-US"/>
           </a:p>
@@ -779,7 +779,7 @@
           <a:p>
             <a:fld id="{3038A2D5-06F6-481C-A179-49D637BFD8DC}" type="datetimeFigureOut">
               <a:rPr lang="en-US" smtClean="0"/>
-              <a:t>12/19/2024</a:t>
+              <a:t>2/2/2025</a:t>
             </a:fld>
             <a:endParaRPr lang="en-US"/>
           </a:p>
@@ -957,7 +957,7 @@
           <a:p>
             <a:fld id="{3038A2D5-06F6-481C-A179-49D637BFD8DC}" type="datetimeFigureOut">
               <a:rPr lang="en-US" smtClean="0"/>
-              <a:t>12/19/2024</a:t>
+              <a:t>2/2/2025</a:t>
             </a:fld>
             <a:endParaRPr lang="en-US"/>
           </a:p>
@@ -1125,7 +1125,7 @@
           <a:p>
             <a:fld id="{3038A2D5-06F6-481C-A179-49D637BFD8DC}" type="datetimeFigureOut">
               <a:rPr lang="en-US" smtClean="0"/>
-              <a:t>12/19/2024</a:t>
+              <a:t>2/2/2025</a:t>
             </a:fld>
             <a:endParaRPr lang="en-US"/>
           </a:p>
@@ -1370,7 +1370,7 @@
           <a:p>
             <a:fld id="{3038A2D5-06F6-481C-A179-49D637BFD8DC}" type="datetimeFigureOut">
               <a:rPr lang="en-US" smtClean="0"/>
-              <a:t>12/19/2024</a:t>
+              <a:t>2/2/2025</a:t>
             </a:fld>
             <a:endParaRPr lang="en-US"/>
           </a:p>
@@ -1599,7 +1599,7 @@
           <a:p>
             <a:fld id="{3038A2D5-06F6-481C-A179-49D637BFD8DC}" type="datetimeFigureOut">
               <a:rPr lang="en-US" smtClean="0"/>
-              <a:t>12/19/2024</a:t>
+              <a:t>2/2/2025</a:t>
             </a:fld>
             <a:endParaRPr lang="en-US"/>
           </a:p>
@@ -1963,7 +1963,7 @@
           <a:p>
             <a:fld id="{3038A2D5-06F6-481C-A179-49D637BFD8DC}" type="datetimeFigureOut">
               <a:rPr lang="en-US" smtClean="0"/>
-              <a:t>12/19/2024</a:t>
+              <a:t>2/2/2025</a:t>
             </a:fld>
             <a:endParaRPr lang="en-US"/>
           </a:p>
@@ -2080,7 +2080,7 @@
           <a:p>
             <a:fld id="{3038A2D5-06F6-481C-A179-49D637BFD8DC}" type="datetimeFigureOut">
               <a:rPr lang="en-US" smtClean="0"/>
-              <a:t>12/19/2024</a:t>
+              <a:t>2/2/2025</a:t>
             </a:fld>
             <a:endParaRPr lang="en-US"/>
           </a:p>
@@ -2175,7 +2175,7 @@
           <a:p>
             <a:fld id="{3038A2D5-06F6-481C-A179-49D637BFD8DC}" type="datetimeFigureOut">
               <a:rPr lang="en-US" smtClean="0"/>
-              <a:t>12/19/2024</a:t>
+              <a:t>2/2/2025</a:t>
             </a:fld>
             <a:endParaRPr lang="en-US"/>
           </a:p>
@@ -2450,7 +2450,7 @@
           <a:p>
             <a:fld id="{3038A2D5-06F6-481C-A179-49D637BFD8DC}" type="datetimeFigureOut">
               <a:rPr lang="en-US" smtClean="0"/>
-              <a:t>12/19/2024</a:t>
+              <a:t>2/2/2025</a:t>
             </a:fld>
             <a:endParaRPr lang="en-US"/>
           </a:p>
@@ -2702,7 +2702,7 @@
           <a:p>
             <a:fld id="{3038A2D5-06F6-481C-A179-49D637BFD8DC}" type="datetimeFigureOut">
               <a:rPr lang="en-US" smtClean="0"/>
-              <a:t>12/19/2024</a:t>
+              <a:t>2/2/2025</a:t>
             </a:fld>
             <a:endParaRPr lang="en-US"/>
           </a:p>
@@ -2913,7 +2913,7 @@
           <a:p>
             <a:fld id="{3038A2D5-06F6-481C-A179-49D637BFD8DC}" type="datetimeFigureOut">
               <a:rPr lang="en-US" smtClean="0"/>
-              <a:t>12/19/2024</a:t>
+              <a:t>2/2/2025</a:t>
             </a:fld>
             <a:endParaRPr lang="en-US"/>
           </a:p>
@@ -3323,7 +3323,7 @@
           <p:cNvPr id="2" name="Title 1">
             <a:extLst>
               <a:ext uri="{FF2B5EF4-FFF2-40B4-BE49-F238E27FC236}">
-                <a16:creationId xmlns:a16="http://schemas.microsoft.com/office/drawing/2014/main" id="{F55A1256-9580-4666-A1F2-40208FA09BDD}"/>
+                <a16:creationId xmlns:a16="http://schemas.microsoft.com/office/drawing/2014/main" xmlns="" id="{F55A1256-9580-4666-A1F2-40208FA09BDD}"/>
               </a:ext>
             </a:extLst>
           </p:cNvPr>
@@ -3354,7 +3354,7 @@
           <p:cNvPr id="3" name="Content Placeholder 2">
             <a:extLst>
               <a:ext uri="{FF2B5EF4-FFF2-40B4-BE49-F238E27FC236}">
-                <a16:creationId xmlns:a16="http://schemas.microsoft.com/office/drawing/2014/main" id="{55986D1E-DD48-4A4D-8A58-0AC481BC6AE1}"/>
+                <a16:creationId xmlns:a16="http://schemas.microsoft.com/office/drawing/2014/main" xmlns="" id="{55986D1E-DD48-4A4D-8A58-0AC481BC6AE1}"/>
               </a:ext>
             </a:extLst>
           </p:cNvPr>
@@ -3455,7 +3455,7 @@
           <p:cNvPr id="5" name="Table 4">
             <a:extLst>
               <a:ext uri="{FF2B5EF4-FFF2-40B4-BE49-F238E27FC236}">
-                <a16:creationId xmlns:a16="http://schemas.microsoft.com/office/drawing/2014/main" id="{B519B85C-59C1-416D-A0B4-43AA90DDA13F}"/>
+                <a16:creationId xmlns:a16="http://schemas.microsoft.com/office/drawing/2014/main" xmlns="" id="{B519B85C-59C1-416D-A0B4-43AA90DDA13F}"/>
               </a:ext>
             </a:extLst>
           </p:cNvPr>
@@ -3478,35 +3478,35 @@
                 <a:gridCol w="1072764">
                   <a:extLst>
                     <a:ext uri="{9D8B030D-6E8A-4147-A177-3AD203B41FA5}">
-                      <a16:colId xmlns:a16="http://schemas.microsoft.com/office/drawing/2014/main" val="2614742482"/>
+                      <a16:colId xmlns:a16="http://schemas.microsoft.com/office/drawing/2014/main" xmlns="" val="2614742482"/>
                     </a:ext>
                   </a:extLst>
                 </a:gridCol>
                 <a:gridCol w="1072764">
                   <a:extLst>
                     <a:ext uri="{9D8B030D-6E8A-4147-A177-3AD203B41FA5}">
-                      <a16:colId xmlns:a16="http://schemas.microsoft.com/office/drawing/2014/main" val="2229943911"/>
+                      <a16:colId xmlns:a16="http://schemas.microsoft.com/office/drawing/2014/main" xmlns="" val="2229943911"/>
                     </a:ext>
                   </a:extLst>
                 </a:gridCol>
                 <a:gridCol w="1072764">
                   <a:extLst>
                     <a:ext uri="{9D8B030D-6E8A-4147-A177-3AD203B41FA5}">
-                      <a16:colId xmlns:a16="http://schemas.microsoft.com/office/drawing/2014/main" val="1219341843"/>
+                      <a16:colId xmlns:a16="http://schemas.microsoft.com/office/drawing/2014/main" xmlns="" val="1219341843"/>
                     </a:ext>
                   </a:extLst>
                 </a:gridCol>
                 <a:gridCol w="1072764">
                   <a:extLst>
                     <a:ext uri="{9D8B030D-6E8A-4147-A177-3AD203B41FA5}">
-                      <a16:colId xmlns:a16="http://schemas.microsoft.com/office/drawing/2014/main" val="3627737408"/>
+                      <a16:colId xmlns:a16="http://schemas.microsoft.com/office/drawing/2014/main" xmlns="" val="3627737408"/>
                     </a:ext>
                   </a:extLst>
                 </a:gridCol>
                 <a:gridCol w="1072764">
                   <a:extLst>
                     <a:ext uri="{9D8B030D-6E8A-4147-A177-3AD203B41FA5}">
-                      <a16:colId xmlns:a16="http://schemas.microsoft.com/office/drawing/2014/main" val="2009868258"/>
+                      <a16:colId xmlns:a16="http://schemas.microsoft.com/office/drawing/2014/main" xmlns="" val="2009868258"/>
                     </a:ext>
                   </a:extLst>
                 </a:gridCol>
@@ -3582,7 +3582,7 @@
                 </a:tc>
                 <a:extLst>
                   <a:ext uri="{0D108BD9-81ED-4DB2-BD59-A6C34878D82A}">
-                    <a16:rowId xmlns:a16="http://schemas.microsoft.com/office/drawing/2014/main" val="1551727146"/>
+                    <a16:rowId xmlns:a16="http://schemas.microsoft.com/office/drawing/2014/main" xmlns="" val="1551727146"/>
                   </a:ext>
                 </a:extLst>
               </a:tr>
@@ -3595,7 +3595,7 @@
           <p:cNvPr id="6" name="TextBox 5">
             <a:extLst>
               <a:ext uri="{FF2B5EF4-FFF2-40B4-BE49-F238E27FC236}">
-                <a16:creationId xmlns:a16="http://schemas.microsoft.com/office/drawing/2014/main" id="{60F1DCDE-055F-4E39-987D-57FDB8A4C10E}"/>
+                <a16:creationId xmlns:a16="http://schemas.microsoft.com/office/drawing/2014/main" xmlns="" id="{60F1DCDE-055F-4E39-987D-57FDB8A4C10E}"/>
               </a:ext>
             </a:extLst>
           </p:cNvPr>
@@ -3664,7 +3664,7 @@
           <p:cNvPr id="2" name="Title 1">
             <a:extLst>
               <a:ext uri="{FF2B5EF4-FFF2-40B4-BE49-F238E27FC236}">
-                <a16:creationId xmlns:a16="http://schemas.microsoft.com/office/drawing/2014/main" id="{9AD4105D-0C88-402A-9EDC-C78E76D1D76A}"/>
+                <a16:creationId xmlns:a16="http://schemas.microsoft.com/office/drawing/2014/main" xmlns="" id="{9AD4105D-0C88-402A-9EDC-C78E76D1D76A}"/>
               </a:ext>
             </a:extLst>
           </p:cNvPr>
@@ -3700,7 +3700,7 @@
           <p:cNvPr id="4" name="Table 4">
             <a:extLst>
               <a:ext uri="{FF2B5EF4-FFF2-40B4-BE49-F238E27FC236}">
-                <a16:creationId xmlns:a16="http://schemas.microsoft.com/office/drawing/2014/main" id="{A4259A7E-50AE-4098-98B5-989793345343}"/>
+                <a16:creationId xmlns:a16="http://schemas.microsoft.com/office/drawing/2014/main" xmlns="" id="{A4259A7E-50AE-4098-98B5-989793345343}"/>
               </a:ext>
             </a:extLst>
           </p:cNvPr>
@@ -3725,35 +3725,35 @@
                 <a:gridCol w="1072764">
                   <a:extLst>
                     <a:ext uri="{9D8B030D-6E8A-4147-A177-3AD203B41FA5}">
-                      <a16:colId xmlns:a16="http://schemas.microsoft.com/office/drawing/2014/main" val="2614742482"/>
+                      <a16:colId xmlns:a16="http://schemas.microsoft.com/office/drawing/2014/main" xmlns="" val="2614742482"/>
                     </a:ext>
                   </a:extLst>
                 </a:gridCol>
                 <a:gridCol w="1072764">
                   <a:extLst>
                     <a:ext uri="{9D8B030D-6E8A-4147-A177-3AD203B41FA5}">
-                      <a16:colId xmlns:a16="http://schemas.microsoft.com/office/drawing/2014/main" val="2229943911"/>
+                      <a16:colId xmlns:a16="http://schemas.microsoft.com/office/drawing/2014/main" xmlns="" val="2229943911"/>
                     </a:ext>
                   </a:extLst>
                 </a:gridCol>
                 <a:gridCol w="1072764">
                   <a:extLst>
                     <a:ext uri="{9D8B030D-6E8A-4147-A177-3AD203B41FA5}">
-                      <a16:colId xmlns:a16="http://schemas.microsoft.com/office/drawing/2014/main" val="1219341843"/>
+                      <a16:colId xmlns:a16="http://schemas.microsoft.com/office/drawing/2014/main" xmlns="" val="1219341843"/>
                     </a:ext>
                   </a:extLst>
                 </a:gridCol>
                 <a:gridCol w="1072764">
                   <a:extLst>
                     <a:ext uri="{9D8B030D-6E8A-4147-A177-3AD203B41FA5}">
-                      <a16:colId xmlns:a16="http://schemas.microsoft.com/office/drawing/2014/main" val="3627737408"/>
+                      <a16:colId xmlns:a16="http://schemas.microsoft.com/office/drawing/2014/main" xmlns="" val="3627737408"/>
                     </a:ext>
                   </a:extLst>
                 </a:gridCol>
                 <a:gridCol w="1072764">
                   <a:extLst>
                     <a:ext uri="{9D8B030D-6E8A-4147-A177-3AD203B41FA5}">
-                      <a16:colId xmlns:a16="http://schemas.microsoft.com/office/drawing/2014/main" val="2009868258"/>
+                      <a16:colId xmlns:a16="http://schemas.microsoft.com/office/drawing/2014/main" xmlns="" val="2009868258"/>
                     </a:ext>
                   </a:extLst>
                 </a:gridCol>
@@ -3829,7 +3829,7 @@
                 </a:tc>
                 <a:extLst>
                   <a:ext uri="{0D108BD9-81ED-4DB2-BD59-A6C34878D82A}">
-                    <a16:rowId xmlns:a16="http://schemas.microsoft.com/office/drawing/2014/main" val="1551727146"/>
+                    <a16:rowId xmlns:a16="http://schemas.microsoft.com/office/drawing/2014/main" xmlns="" val="1551727146"/>
                   </a:ext>
                 </a:extLst>
               </a:tr>
@@ -3842,7 +3842,7 @@
           <p:cNvPr id="6" name="Table 6">
             <a:extLst>
               <a:ext uri="{FF2B5EF4-FFF2-40B4-BE49-F238E27FC236}">
-                <a16:creationId xmlns:a16="http://schemas.microsoft.com/office/drawing/2014/main" id="{807EDE74-E869-4CD1-9A3F-0AAA85C2D3F0}"/>
+                <a16:creationId xmlns:a16="http://schemas.microsoft.com/office/drawing/2014/main" xmlns="" id="{807EDE74-E869-4CD1-9A3F-0AAA85C2D3F0}"/>
               </a:ext>
             </a:extLst>
           </p:cNvPr>
@@ -3865,35 +3865,35 @@
                 <a:gridCol w="954729">
                   <a:extLst>
                     <a:ext uri="{9D8B030D-6E8A-4147-A177-3AD203B41FA5}">
-                      <a16:colId xmlns:a16="http://schemas.microsoft.com/office/drawing/2014/main" val="829075147"/>
+                      <a16:colId xmlns:a16="http://schemas.microsoft.com/office/drawing/2014/main" xmlns="" val="829075147"/>
                     </a:ext>
                   </a:extLst>
                 </a:gridCol>
                 <a:gridCol w="954729">
                   <a:extLst>
                     <a:ext uri="{9D8B030D-6E8A-4147-A177-3AD203B41FA5}">
-                      <a16:colId xmlns:a16="http://schemas.microsoft.com/office/drawing/2014/main" val="2003238021"/>
+                      <a16:colId xmlns:a16="http://schemas.microsoft.com/office/drawing/2014/main" xmlns="" val="2003238021"/>
                     </a:ext>
                   </a:extLst>
                 </a:gridCol>
                 <a:gridCol w="954729">
                   <a:extLst>
                     <a:ext uri="{9D8B030D-6E8A-4147-A177-3AD203B41FA5}">
-                      <a16:colId xmlns:a16="http://schemas.microsoft.com/office/drawing/2014/main" val="1923740798"/>
+                      <a16:colId xmlns:a16="http://schemas.microsoft.com/office/drawing/2014/main" xmlns="" val="1923740798"/>
                     </a:ext>
                   </a:extLst>
                 </a:gridCol>
                 <a:gridCol w="954729">
                   <a:extLst>
                     <a:ext uri="{9D8B030D-6E8A-4147-A177-3AD203B41FA5}">
-                      <a16:colId xmlns:a16="http://schemas.microsoft.com/office/drawing/2014/main" val="3643831511"/>
+                      <a16:colId xmlns:a16="http://schemas.microsoft.com/office/drawing/2014/main" xmlns="" val="3643831511"/>
                     </a:ext>
                   </a:extLst>
                 </a:gridCol>
                 <a:gridCol w="954729">
                   <a:extLst>
                     <a:ext uri="{9D8B030D-6E8A-4147-A177-3AD203B41FA5}">
-                      <a16:colId xmlns:a16="http://schemas.microsoft.com/office/drawing/2014/main" val="1476331452"/>
+                      <a16:colId xmlns:a16="http://schemas.microsoft.com/office/drawing/2014/main" xmlns="" val="1476331452"/>
                     </a:ext>
                   </a:extLst>
                 </a:gridCol>
@@ -3966,7 +3966,7 @@
                 </a:tc>
                 <a:extLst>
                   <a:ext uri="{0D108BD9-81ED-4DB2-BD59-A6C34878D82A}">
-                    <a16:rowId xmlns:a16="http://schemas.microsoft.com/office/drawing/2014/main" val="2838942801"/>
+                    <a16:rowId xmlns:a16="http://schemas.microsoft.com/office/drawing/2014/main" xmlns="" val="2838942801"/>
                   </a:ext>
                 </a:extLst>
               </a:tr>
@@ -3979,7 +3979,7 @@
           <p:cNvPr id="8" name="Table 8">
             <a:extLst>
               <a:ext uri="{FF2B5EF4-FFF2-40B4-BE49-F238E27FC236}">
-                <a16:creationId xmlns:a16="http://schemas.microsoft.com/office/drawing/2014/main" id="{79ABAF5C-2867-4D42-99BB-8E9C7201BA43}"/>
+                <a16:creationId xmlns:a16="http://schemas.microsoft.com/office/drawing/2014/main" xmlns="" id="{79ABAF5C-2867-4D42-99BB-8E9C7201BA43}"/>
               </a:ext>
             </a:extLst>
           </p:cNvPr>
@@ -4002,21 +4002,21 @@
                 <a:gridCol w="1119479">
                   <a:extLst>
                     <a:ext uri="{9D8B030D-6E8A-4147-A177-3AD203B41FA5}">
-                      <a16:colId xmlns:a16="http://schemas.microsoft.com/office/drawing/2014/main" val="1262364728"/>
+                      <a16:colId xmlns:a16="http://schemas.microsoft.com/office/drawing/2014/main" xmlns="" val="1262364728"/>
                     </a:ext>
                   </a:extLst>
                 </a:gridCol>
                 <a:gridCol w="1119479">
                   <a:extLst>
                     <a:ext uri="{9D8B030D-6E8A-4147-A177-3AD203B41FA5}">
-                      <a16:colId xmlns:a16="http://schemas.microsoft.com/office/drawing/2014/main" val="1813937375"/>
+                      <a16:colId xmlns:a16="http://schemas.microsoft.com/office/drawing/2014/main" xmlns="" val="1813937375"/>
                     </a:ext>
                   </a:extLst>
                 </a:gridCol>
                 <a:gridCol w="1119479">
                   <a:extLst>
                     <a:ext uri="{9D8B030D-6E8A-4147-A177-3AD203B41FA5}">
-                      <a16:colId xmlns:a16="http://schemas.microsoft.com/office/drawing/2014/main" val="749812109"/>
+                      <a16:colId xmlns:a16="http://schemas.microsoft.com/office/drawing/2014/main" xmlns="" val="749812109"/>
                     </a:ext>
                   </a:extLst>
                 </a:gridCol>
@@ -4063,7 +4063,7 @@
                 </a:tc>
                 <a:extLst>
                   <a:ext uri="{0D108BD9-81ED-4DB2-BD59-A6C34878D82A}">
-                    <a16:rowId xmlns:a16="http://schemas.microsoft.com/office/drawing/2014/main" val="3268919907"/>
+                    <a16:rowId xmlns:a16="http://schemas.microsoft.com/office/drawing/2014/main" xmlns="" val="3268919907"/>
                   </a:ext>
                 </a:extLst>
               </a:tr>
@@ -4076,7 +4076,7 @@
           <p:cNvPr id="10" name="TextBox 9">
             <a:extLst>
               <a:ext uri="{FF2B5EF4-FFF2-40B4-BE49-F238E27FC236}">
-                <a16:creationId xmlns:a16="http://schemas.microsoft.com/office/drawing/2014/main" id="{CB9E129F-ED8C-43A1-B63E-85CEB8B925F0}"/>
+                <a16:creationId xmlns:a16="http://schemas.microsoft.com/office/drawing/2014/main" xmlns="" id="{CB9E129F-ED8C-43A1-B63E-85CEB8B925F0}"/>
               </a:ext>
             </a:extLst>
           </p:cNvPr>
@@ -4115,7 +4115,7 @@
           <p:cNvPr id="11" name="TextBox 10">
             <a:extLst>
               <a:ext uri="{FF2B5EF4-FFF2-40B4-BE49-F238E27FC236}">
-                <a16:creationId xmlns:a16="http://schemas.microsoft.com/office/drawing/2014/main" id="{B43BEB25-2BBA-4851-B634-E52FAF7FFA9A}"/>
+                <a16:creationId xmlns:a16="http://schemas.microsoft.com/office/drawing/2014/main" xmlns="" id="{B43BEB25-2BBA-4851-B634-E52FAF7FFA9A}"/>
               </a:ext>
             </a:extLst>
           </p:cNvPr>
@@ -4156,7 +4156,7 @@
           <p:cNvPr id="12" name="TextBox 11">
             <a:extLst>
               <a:ext uri="{FF2B5EF4-FFF2-40B4-BE49-F238E27FC236}">
-                <a16:creationId xmlns:a16="http://schemas.microsoft.com/office/drawing/2014/main" id="{3D988ACD-6E4D-468A-A884-49BBECF1AEC7}"/>
+                <a16:creationId xmlns:a16="http://schemas.microsoft.com/office/drawing/2014/main" xmlns="" id="{3D988ACD-6E4D-468A-A884-49BBECF1AEC7}"/>
               </a:ext>
             </a:extLst>
           </p:cNvPr>
@@ -4197,7 +4197,7 @@
           <p:cNvPr id="13" name="TextBox 12">
             <a:extLst>
               <a:ext uri="{FF2B5EF4-FFF2-40B4-BE49-F238E27FC236}">
-                <a16:creationId xmlns:a16="http://schemas.microsoft.com/office/drawing/2014/main" id="{1B33832E-AEB6-4589-9CDF-977264078580}"/>
+                <a16:creationId xmlns:a16="http://schemas.microsoft.com/office/drawing/2014/main" xmlns="" id="{1B33832E-AEB6-4589-9CDF-977264078580}"/>
               </a:ext>
             </a:extLst>
           </p:cNvPr>
@@ -4206,7 +4206,7 @@
         </p:nvSpPr>
         <p:spPr>
           <a:xfrm>
-            <a:off x="6099415" y="1464775"/>
+            <a:off x="6409966" y="1352632"/>
             <a:ext cx="5939050" cy="5632311"/>
           </a:xfrm>
           <a:prstGeom prst="rect">
@@ -4330,6 +4330,12 @@
                 <a:cs typeface="Calibri"/>
               </a:rPr>
               <a:t>UNION </a:t>
+            </a:r>
+            <a:r>
+              <a:rPr lang="en-US" dirty="0">
+                <a:cs typeface="Calibri"/>
+              </a:rPr>
+              <a:t/>
             </a:r>
             <a:br>
               <a:rPr lang="en-US" dirty="0">
@@ -4420,7 +4426,7 @@
           <p:cNvPr id="2" name="Title 1">
             <a:extLst>
               <a:ext uri="{FF2B5EF4-FFF2-40B4-BE49-F238E27FC236}">
-                <a16:creationId xmlns:a16="http://schemas.microsoft.com/office/drawing/2014/main" id="{FAA360EA-FFBB-4DDA-84C8-B6FF6EDB39F2}"/>
+                <a16:creationId xmlns:a16="http://schemas.microsoft.com/office/drawing/2014/main" xmlns="" id="{FAA360EA-FFBB-4DDA-84C8-B6FF6EDB39F2}"/>
               </a:ext>
             </a:extLst>
           </p:cNvPr>
@@ -4437,12 +4443,12 @@
           <a:lstStyle/>
           <a:p>
             <a:r>
-              <a:rPr lang="en-US">
+              <a:rPr lang="en-US" dirty="0">
                 <a:cs typeface="Calibri Light"/>
               </a:rPr>
               <a:t>Set operation or join </a:t>
             </a:r>
-            <a:endParaRPr lang="en-US"/>
+            <a:endParaRPr lang="en-US" dirty="0"/>
           </a:p>
         </p:txBody>
       </p:sp>
@@ -4451,7 +4457,7 @@
           <p:cNvPr id="4" name="Picture 4" descr="A screenshot of a cell phone&#10;&#10;Description generated with high confidence">
             <a:extLst>
               <a:ext uri="{FF2B5EF4-FFF2-40B4-BE49-F238E27FC236}">
-                <a16:creationId xmlns:a16="http://schemas.microsoft.com/office/drawing/2014/main" id="{0805D160-B224-4EAD-A630-C0C16872B9F1}"/>
+                <a16:creationId xmlns:a16="http://schemas.microsoft.com/office/drawing/2014/main" xmlns="" id="{0805D160-B224-4EAD-A630-C0C16872B9F1}"/>
               </a:ext>
             </a:extLst>
           </p:cNvPr>
@@ -4480,7 +4486,7 @@
           <p:cNvPr id="6" name="Picture 6" descr="A picture containing drawing&#10;&#10;Description generated with very high confidence">
             <a:extLst>
               <a:ext uri="{FF2B5EF4-FFF2-40B4-BE49-F238E27FC236}">
-                <a16:creationId xmlns:a16="http://schemas.microsoft.com/office/drawing/2014/main" id="{622B140B-A78D-4D1D-9165-F2BA7530C36C}"/>
+                <a16:creationId xmlns:a16="http://schemas.microsoft.com/office/drawing/2014/main" xmlns="" id="{622B140B-A78D-4D1D-9165-F2BA7530C36C}"/>
               </a:ext>
             </a:extLst>
           </p:cNvPr>
@@ -4510,7 +4516,7 @@
           <p:cNvPr id="8" name="TextBox 7">
             <a:extLst>
               <a:ext uri="{FF2B5EF4-FFF2-40B4-BE49-F238E27FC236}">
-                <a16:creationId xmlns:a16="http://schemas.microsoft.com/office/drawing/2014/main" id="{C7E9B91D-938E-4991-B2D5-8A96B691F00E}"/>
+                <a16:creationId xmlns:a16="http://schemas.microsoft.com/office/drawing/2014/main" xmlns="" id="{C7E9B91D-938E-4991-B2D5-8A96B691F00E}"/>
               </a:ext>
             </a:extLst>
           </p:cNvPr>
@@ -4584,7 +4590,7 @@
           <p:cNvPr id="2" name="Title 1">
             <a:extLst>
               <a:ext uri="{FF2B5EF4-FFF2-40B4-BE49-F238E27FC236}">
-                <a16:creationId xmlns:a16="http://schemas.microsoft.com/office/drawing/2014/main" id="{719D0BD5-D8F0-416A-BECF-0CB027DEDF6F}"/>
+                <a16:creationId xmlns:a16="http://schemas.microsoft.com/office/drawing/2014/main" xmlns="" id="{719D0BD5-D8F0-416A-BECF-0CB027DEDF6F}"/>
               </a:ext>
             </a:extLst>
           </p:cNvPr>
@@ -4612,7 +4618,7 @@
           <p:cNvPr id="3" name="Content Placeholder 2">
             <a:extLst>
               <a:ext uri="{FF2B5EF4-FFF2-40B4-BE49-F238E27FC236}">
-                <a16:creationId xmlns:a16="http://schemas.microsoft.com/office/drawing/2014/main" id="{8EB8C2B2-E5D8-4688-A5CF-96B2D7672F72}"/>
+                <a16:creationId xmlns:a16="http://schemas.microsoft.com/office/drawing/2014/main" xmlns="" id="{8EB8C2B2-E5D8-4688-A5CF-96B2D7672F72}"/>
               </a:ext>
             </a:extLst>
           </p:cNvPr>
@@ -4630,7 +4636,15 @@
           <a:p>
             <a:r>
               <a:rPr lang="en-US" dirty="0"/>
-              <a:t>You can use Join or Sub query (IN Keyword) interchangeably. Both have same results. And both depicts the Set operation INTERSECTION. </a:t>
+              <a:t>You can use Join or Sub query (IN Keyword) interchangeably. Both </a:t>
+            </a:r>
+            <a:r>
+              <a:rPr lang="en-US" dirty="0" smtClean="0"/>
+              <a:t>0have </a:t>
+            </a:r>
+            <a:r>
+              <a:rPr lang="en-US" dirty="0"/>
+              <a:t>same results. And both depicts the Set operation INTERSECTION. </a:t>
             </a:r>
           </a:p>
           <a:p>
@@ -4694,7 +4708,7 @@
           <p:cNvPr id="2" name="Title 1">
             <a:extLst>
               <a:ext uri="{FF2B5EF4-FFF2-40B4-BE49-F238E27FC236}">
-                <a16:creationId xmlns:a16="http://schemas.microsoft.com/office/drawing/2014/main" id="{062E755E-B505-4F24-8D81-C3BF7EBCB125}"/>
+                <a16:creationId xmlns:a16="http://schemas.microsoft.com/office/drawing/2014/main" xmlns="" id="{062E755E-B505-4F24-8D81-C3BF7EBCB125}"/>
               </a:ext>
             </a:extLst>
           </p:cNvPr>
@@ -4722,7 +4736,7 @@
           <p:cNvPr id="3" name="Content Placeholder 2">
             <a:extLst>
               <a:ext uri="{FF2B5EF4-FFF2-40B4-BE49-F238E27FC236}">
-                <a16:creationId xmlns:a16="http://schemas.microsoft.com/office/drawing/2014/main" id="{9AFBDDFD-931F-4603-A65B-D8589449246C}"/>
+                <a16:creationId xmlns:a16="http://schemas.microsoft.com/office/drawing/2014/main" xmlns="" id="{9AFBDDFD-931F-4603-A65B-D8589449246C}"/>
               </a:ext>
             </a:extLst>
           </p:cNvPr>
@@ -4818,7 +4832,7 @@
               <a:buAutoNum type="arabicPeriod"/>
             </a:pPr>
             <a:r>
-              <a:rPr lang="en-US" sz="1800" dirty="0">
+              <a:rPr lang="en-US" sz="1800" dirty="0" smtClean="0">
                 <a:effectLst/>
                 <a:latin typeface="Calibri" panose="020F0502020204030204" pitchFamily="34" charset="0"/>
                 <a:ea typeface="Calibri" panose="020F0502020204030204" pitchFamily="34" charset="0"/>
@@ -4826,6 +4840,12 @@
               </a:rPr>
               <a:t>Show manager name who have no dependents. </a:t>
             </a:r>
+            <a:endParaRPr lang="en-US" sz="1800" dirty="0">
+              <a:effectLst/>
+              <a:latin typeface="Calibri" panose="020F0502020204030204" pitchFamily="34" charset="0"/>
+              <a:ea typeface="Calibri" panose="020F0502020204030204" pitchFamily="34" charset="0"/>
+              <a:cs typeface="Times New Roman" panose="02020603050405020304" pitchFamily="18" charset="0"/>
+            </a:endParaRPr>
           </a:p>
           <a:p>
             <a:pPr marL="342900" marR="0" lvl="0" indent="-342900">
@@ -4918,7 +4938,28 @@
             </a:r>
           </a:p>
           <a:p>
-            <a:endParaRPr lang="en-US" dirty="0"/>
+            <a:r>
+              <a:rPr lang="en-US" sz="900" dirty="0" smtClean="0"/>
+              <a:t>Ans1-// located in Stafford</a:t>
+            </a:r>
+          </a:p>
+          <a:p>
+            <a:r>
+              <a:rPr lang="en-US" sz="900" dirty="0" smtClean="0"/>
+              <a:t>Select </a:t>
+            </a:r>
+            <a:r>
+              <a:rPr lang="en-US" sz="900" dirty="0" err="1" smtClean="0"/>
+              <a:t>Dname</a:t>
+            </a:r>
+            <a:endParaRPr lang="en-US" sz="900" dirty="0"/>
+          </a:p>
+          <a:p>
+            <a:r>
+              <a:rPr lang="en-US" sz="900" dirty="0" smtClean="0"/>
+              <a:t>From department as d inner join project as p on </a:t>
+            </a:r>
+            <a:endParaRPr lang="en-US" sz="900" dirty="0" smtClean="0"/>
           </a:p>
         </p:txBody>
       </p:sp>
@@ -4957,7 +4998,7 @@
           <p:cNvPr id="2" name="Title 1">
             <a:extLst>
               <a:ext uri="{FF2B5EF4-FFF2-40B4-BE49-F238E27FC236}">
-                <a16:creationId xmlns:a16="http://schemas.microsoft.com/office/drawing/2014/main" id="{314DB6F4-4CE6-403A-887E-A8E3E9EFC859}"/>
+                <a16:creationId xmlns:a16="http://schemas.microsoft.com/office/drawing/2014/main" xmlns="" id="{314DB6F4-4CE6-403A-887E-A8E3E9EFC859}"/>
               </a:ext>
             </a:extLst>
           </p:cNvPr>
@@ -5043,7 +5084,7 @@
           <p:cNvPr id="3" name="Content Placeholder 2">
             <a:extLst>
               <a:ext uri="{FF2B5EF4-FFF2-40B4-BE49-F238E27FC236}">
-                <a16:creationId xmlns:a16="http://schemas.microsoft.com/office/drawing/2014/main" id="{68A21A45-AA91-40A1-9863-BA9E0DC54BBB}"/>
+                <a16:creationId xmlns:a16="http://schemas.microsoft.com/office/drawing/2014/main" xmlns="" id="{68A21A45-AA91-40A1-9863-BA9E0DC54BBB}"/>
               </a:ext>
             </a:extLst>
           </p:cNvPr>
@@ -5207,7 +5248,7 @@
           <p:cNvPr id="2" name="Title 1">
             <a:extLst>
               <a:ext uri="{FF2B5EF4-FFF2-40B4-BE49-F238E27FC236}">
-                <a16:creationId xmlns:a16="http://schemas.microsoft.com/office/drawing/2014/main" id="{314DB6F4-4CE6-403A-887E-A8E3E9EFC859}"/>
+                <a16:creationId xmlns:a16="http://schemas.microsoft.com/office/drawing/2014/main" xmlns="" id="{314DB6F4-4CE6-403A-887E-A8E3E9EFC859}"/>
               </a:ext>
             </a:extLst>
           </p:cNvPr>
@@ -5293,7 +5334,7 @@
           <p:cNvPr id="3" name="Content Placeholder 2">
             <a:extLst>
               <a:ext uri="{FF2B5EF4-FFF2-40B4-BE49-F238E27FC236}">
-                <a16:creationId xmlns:a16="http://schemas.microsoft.com/office/drawing/2014/main" id="{68A21A45-AA91-40A1-9863-BA9E0DC54BBB}"/>
+                <a16:creationId xmlns:a16="http://schemas.microsoft.com/office/drawing/2014/main" xmlns="" id="{68A21A45-AA91-40A1-9863-BA9E0DC54BBB}"/>
               </a:ext>
             </a:extLst>
           </p:cNvPr>
@@ -5457,7 +5498,7 @@
           <p:cNvPr id="2" name="Title 1">
             <a:extLst>
               <a:ext uri="{FF2B5EF4-FFF2-40B4-BE49-F238E27FC236}">
-                <a16:creationId xmlns:a16="http://schemas.microsoft.com/office/drawing/2014/main" id="{314DB6F4-4CE6-403A-887E-A8E3E9EFC859}"/>
+                <a16:creationId xmlns:a16="http://schemas.microsoft.com/office/drawing/2014/main" xmlns="" id="{314DB6F4-4CE6-403A-887E-A8E3E9EFC859}"/>
               </a:ext>
             </a:extLst>
           </p:cNvPr>
@@ -5543,7 +5584,7 @@
           <p:cNvPr id="3" name="Content Placeholder 2">
             <a:extLst>
               <a:ext uri="{FF2B5EF4-FFF2-40B4-BE49-F238E27FC236}">
-                <a16:creationId xmlns:a16="http://schemas.microsoft.com/office/drawing/2014/main" id="{68A21A45-AA91-40A1-9863-BA9E0DC54BBB}"/>
+                <a16:creationId xmlns:a16="http://schemas.microsoft.com/office/drawing/2014/main" xmlns="" id="{68A21A45-AA91-40A1-9863-BA9E0DC54BBB}"/>
               </a:ext>
             </a:extLst>
           </p:cNvPr>
@@ -5666,7 +5707,7 @@
           <p:cNvPr id="2" name="Title 1">
             <a:extLst>
               <a:ext uri="{FF2B5EF4-FFF2-40B4-BE49-F238E27FC236}">
-                <a16:creationId xmlns:a16="http://schemas.microsoft.com/office/drawing/2014/main" id="{B64B2E75-EC4E-49AF-9E1E-67D8EE08B6AF}"/>
+                <a16:creationId xmlns:a16="http://schemas.microsoft.com/office/drawing/2014/main" xmlns="" id="{B64B2E75-EC4E-49AF-9E1E-67D8EE08B6AF}"/>
               </a:ext>
             </a:extLst>
           </p:cNvPr>
@@ -5691,6 +5732,15 @@
                 <a:cs typeface="Times New Roman" panose="02020603050405020304" pitchFamily="18" charset="0"/>
               </a:rPr>
               <a:t>Show employee name who are managers but they do not have dependents</a:t>
+            </a:r>
+            <a:r>
+              <a:rPr lang="en-US" sz="4400" dirty="0">
+                <a:effectLst/>
+                <a:latin typeface="Calibri" panose="020F0502020204030204" pitchFamily="34" charset="0"/>
+                <a:ea typeface="Calibri" panose="020F0502020204030204" pitchFamily="34" charset="0"/>
+                <a:cs typeface="Times New Roman" panose="02020603050405020304" pitchFamily="18" charset="0"/>
+              </a:rPr>
+              <a:t/>
             </a:r>
             <a:br>
               <a:rPr lang="en-US" sz="4400" dirty="0">
@@ -5709,7 +5759,7 @@
           <p:cNvPr id="3" name="Content Placeholder 2">
             <a:extLst>
               <a:ext uri="{FF2B5EF4-FFF2-40B4-BE49-F238E27FC236}">
-                <a16:creationId xmlns:a16="http://schemas.microsoft.com/office/drawing/2014/main" id="{C91EA753-C9C2-4F03-82B5-D6C928123A8B}"/>
+                <a16:creationId xmlns:a16="http://schemas.microsoft.com/office/drawing/2014/main" xmlns="" id="{C91EA753-C9C2-4F03-82B5-D6C928123A8B}"/>
               </a:ext>
             </a:extLst>
           </p:cNvPr>
@@ -6298,7 +6348,7 @@
           <p:cNvPr id="2" name="Title 1">
             <a:extLst>
               <a:ext uri="{FF2B5EF4-FFF2-40B4-BE49-F238E27FC236}">
-                <a16:creationId xmlns:a16="http://schemas.microsoft.com/office/drawing/2014/main" id="{F55A1256-9580-4666-A1F2-40208FA09BDD}"/>
+                <a16:creationId xmlns:a16="http://schemas.microsoft.com/office/drawing/2014/main" xmlns="" id="{F55A1256-9580-4666-A1F2-40208FA09BDD}"/>
               </a:ext>
             </a:extLst>
           </p:cNvPr>
@@ -6329,7 +6379,7 @@
           <p:cNvPr id="3" name="Content Placeholder 2">
             <a:extLst>
               <a:ext uri="{FF2B5EF4-FFF2-40B4-BE49-F238E27FC236}">
-                <a16:creationId xmlns:a16="http://schemas.microsoft.com/office/drawing/2014/main" id="{55986D1E-DD48-4A4D-8A58-0AC481BC6AE1}"/>
+                <a16:creationId xmlns:a16="http://schemas.microsoft.com/office/drawing/2014/main" xmlns="" id="{55986D1E-DD48-4A4D-8A58-0AC481BC6AE1}"/>
               </a:ext>
             </a:extLst>
           </p:cNvPr>
@@ -6470,7 +6520,7 @@
           <p:cNvPr id="5" name="Table 4">
             <a:extLst>
               <a:ext uri="{FF2B5EF4-FFF2-40B4-BE49-F238E27FC236}">
-                <a16:creationId xmlns:a16="http://schemas.microsoft.com/office/drawing/2014/main" id="{B519B85C-59C1-416D-A0B4-43AA90DDA13F}"/>
+                <a16:creationId xmlns:a16="http://schemas.microsoft.com/office/drawing/2014/main" xmlns="" id="{B519B85C-59C1-416D-A0B4-43AA90DDA13F}"/>
               </a:ext>
             </a:extLst>
           </p:cNvPr>
@@ -6493,35 +6543,35 @@
                 <a:gridCol w="1072764">
                   <a:extLst>
                     <a:ext uri="{9D8B030D-6E8A-4147-A177-3AD203B41FA5}">
-                      <a16:colId xmlns:a16="http://schemas.microsoft.com/office/drawing/2014/main" val="2614742482"/>
+                      <a16:colId xmlns:a16="http://schemas.microsoft.com/office/drawing/2014/main" xmlns="" val="2614742482"/>
                     </a:ext>
                   </a:extLst>
                 </a:gridCol>
                 <a:gridCol w="1072764">
                   <a:extLst>
                     <a:ext uri="{9D8B030D-6E8A-4147-A177-3AD203B41FA5}">
-                      <a16:colId xmlns:a16="http://schemas.microsoft.com/office/drawing/2014/main" val="2229943911"/>
+                      <a16:colId xmlns:a16="http://schemas.microsoft.com/office/drawing/2014/main" xmlns="" val="2229943911"/>
                     </a:ext>
                   </a:extLst>
                 </a:gridCol>
                 <a:gridCol w="1072764">
                   <a:extLst>
                     <a:ext uri="{9D8B030D-6E8A-4147-A177-3AD203B41FA5}">
-                      <a16:colId xmlns:a16="http://schemas.microsoft.com/office/drawing/2014/main" val="1219341843"/>
+                      <a16:colId xmlns:a16="http://schemas.microsoft.com/office/drawing/2014/main" xmlns="" val="1219341843"/>
                     </a:ext>
                   </a:extLst>
                 </a:gridCol>
                 <a:gridCol w="1072764">
                   <a:extLst>
                     <a:ext uri="{9D8B030D-6E8A-4147-A177-3AD203B41FA5}">
-                      <a16:colId xmlns:a16="http://schemas.microsoft.com/office/drawing/2014/main" val="3627737408"/>
+                      <a16:colId xmlns:a16="http://schemas.microsoft.com/office/drawing/2014/main" xmlns="" val="3627737408"/>
                     </a:ext>
                   </a:extLst>
                 </a:gridCol>
                 <a:gridCol w="1072764">
                   <a:extLst>
                     <a:ext uri="{9D8B030D-6E8A-4147-A177-3AD203B41FA5}">
-                      <a16:colId xmlns:a16="http://schemas.microsoft.com/office/drawing/2014/main" val="2009868258"/>
+                      <a16:colId xmlns:a16="http://schemas.microsoft.com/office/drawing/2014/main" xmlns="" val="2009868258"/>
                     </a:ext>
                   </a:extLst>
                 </a:gridCol>
@@ -6597,7 +6647,7 @@
                 </a:tc>
                 <a:extLst>
                   <a:ext uri="{0D108BD9-81ED-4DB2-BD59-A6C34878D82A}">
-                    <a16:rowId xmlns:a16="http://schemas.microsoft.com/office/drawing/2014/main" val="1551727146"/>
+                    <a16:rowId xmlns:a16="http://schemas.microsoft.com/office/drawing/2014/main" xmlns="" val="1551727146"/>
                   </a:ext>
                 </a:extLst>
               </a:tr>
@@ -6610,7 +6660,7 @@
           <p:cNvPr id="6" name="TextBox 5">
             <a:extLst>
               <a:ext uri="{FF2B5EF4-FFF2-40B4-BE49-F238E27FC236}">
-                <a16:creationId xmlns:a16="http://schemas.microsoft.com/office/drawing/2014/main" id="{60F1DCDE-055F-4E39-987D-57FDB8A4C10E}"/>
+                <a16:creationId xmlns:a16="http://schemas.microsoft.com/office/drawing/2014/main" xmlns="" id="{60F1DCDE-055F-4E39-987D-57FDB8A4C10E}"/>
               </a:ext>
             </a:extLst>
           </p:cNvPr>
@@ -6734,7 +6784,7 @@
           <p:cNvPr id="2" name="Title 1">
             <a:extLst>
               <a:ext uri="{FF2B5EF4-FFF2-40B4-BE49-F238E27FC236}">
-                <a16:creationId xmlns:a16="http://schemas.microsoft.com/office/drawing/2014/main" id="{9FCC5C3F-ED01-4B6B-8CA1-8AF7C8EF53C9}"/>
+                <a16:creationId xmlns:a16="http://schemas.microsoft.com/office/drawing/2014/main" xmlns="" id="{9FCC5C3F-ED01-4B6B-8CA1-8AF7C8EF53C9}"/>
               </a:ext>
             </a:extLst>
           </p:cNvPr>
@@ -6765,7 +6815,7 @@
           <p:cNvPr id="3" name="Content Placeholder 2">
             <a:extLst>
               <a:ext uri="{FF2B5EF4-FFF2-40B4-BE49-F238E27FC236}">
-                <a16:creationId xmlns:a16="http://schemas.microsoft.com/office/drawing/2014/main" id="{EFC3ECC4-3763-4C1D-B54C-1DB1E8C4EA31}"/>
+                <a16:creationId xmlns:a16="http://schemas.microsoft.com/office/drawing/2014/main" xmlns="" id="{EFC3ECC4-3763-4C1D-B54C-1DB1E8C4EA31}"/>
               </a:ext>
             </a:extLst>
           </p:cNvPr>
@@ -6925,7 +6975,7 @@
           <p:cNvPr id="2" name="Title 1">
             <a:extLst>
               <a:ext uri="{FF2B5EF4-FFF2-40B4-BE49-F238E27FC236}">
-                <a16:creationId xmlns:a16="http://schemas.microsoft.com/office/drawing/2014/main" id="{89E96931-CB04-406F-8AFA-F0190D04F294}"/>
+                <a16:creationId xmlns:a16="http://schemas.microsoft.com/office/drawing/2014/main" xmlns="" id="{89E96931-CB04-406F-8AFA-F0190D04F294}"/>
               </a:ext>
             </a:extLst>
           </p:cNvPr>
@@ -6953,7 +7003,7 @@
           <p:cNvPr id="3" name="Content Placeholder 2">
             <a:extLst>
               <a:ext uri="{FF2B5EF4-FFF2-40B4-BE49-F238E27FC236}">
-                <a16:creationId xmlns:a16="http://schemas.microsoft.com/office/drawing/2014/main" id="{F25B41BD-AF73-4254-8ED2-5F6D5C4131D1}"/>
+                <a16:creationId xmlns:a16="http://schemas.microsoft.com/office/drawing/2014/main" xmlns="" id="{F25B41BD-AF73-4254-8ED2-5F6D5C4131D1}"/>
               </a:ext>
             </a:extLst>
           </p:cNvPr>
@@ -7018,7 +7068,7 @@
           <p:cNvPr id="2" name="Title 1">
             <a:extLst>
               <a:ext uri="{FF2B5EF4-FFF2-40B4-BE49-F238E27FC236}">
-                <a16:creationId xmlns:a16="http://schemas.microsoft.com/office/drawing/2014/main" id="{9AD4105D-0C88-402A-9EDC-C78E76D1D76A}"/>
+                <a16:creationId xmlns:a16="http://schemas.microsoft.com/office/drawing/2014/main" xmlns="" id="{9AD4105D-0C88-402A-9EDC-C78E76D1D76A}"/>
               </a:ext>
             </a:extLst>
           </p:cNvPr>
@@ -7049,7 +7099,7 @@
           <p:cNvPr id="4" name="Table 4">
             <a:extLst>
               <a:ext uri="{FF2B5EF4-FFF2-40B4-BE49-F238E27FC236}">
-                <a16:creationId xmlns:a16="http://schemas.microsoft.com/office/drawing/2014/main" id="{A4259A7E-50AE-4098-98B5-989793345343}"/>
+                <a16:creationId xmlns:a16="http://schemas.microsoft.com/office/drawing/2014/main" xmlns="" id="{A4259A7E-50AE-4098-98B5-989793345343}"/>
               </a:ext>
             </a:extLst>
           </p:cNvPr>
@@ -7074,35 +7124,35 @@
                 <a:gridCol w="1072764">
                   <a:extLst>
                     <a:ext uri="{9D8B030D-6E8A-4147-A177-3AD203B41FA5}">
-                      <a16:colId xmlns:a16="http://schemas.microsoft.com/office/drawing/2014/main" val="2614742482"/>
+                      <a16:colId xmlns:a16="http://schemas.microsoft.com/office/drawing/2014/main" xmlns="" val="2614742482"/>
                     </a:ext>
                   </a:extLst>
                 </a:gridCol>
                 <a:gridCol w="1072764">
                   <a:extLst>
                     <a:ext uri="{9D8B030D-6E8A-4147-A177-3AD203B41FA5}">
-                      <a16:colId xmlns:a16="http://schemas.microsoft.com/office/drawing/2014/main" val="2229943911"/>
+                      <a16:colId xmlns:a16="http://schemas.microsoft.com/office/drawing/2014/main" xmlns="" val="2229943911"/>
                     </a:ext>
                   </a:extLst>
                 </a:gridCol>
                 <a:gridCol w="1072764">
                   <a:extLst>
                     <a:ext uri="{9D8B030D-6E8A-4147-A177-3AD203B41FA5}">
-                      <a16:colId xmlns:a16="http://schemas.microsoft.com/office/drawing/2014/main" val="1219341843"/>
+                      <a16:colId xmlns:a16="http://schemas.microsoft.com/office/drawing/2014/main" xmlns="" val="1219341843"/>
                     </a:ext>
                   </a:extLst>
                 </a:gridCol>
                 <a:gridCol w="1072764">
                   <a:extLst>
                     <a:ext uri="{9D8B030D-6E8A-4147-A177-3AD203B41FA5}">
-                      <a16:colId xmlns:a16="http://schemas.microsoft.com/office/drawing/2014/main" val="3627737408"/>
+                      <a16:colId xmlns:a16="http://schemas.microsoft.com/office/drawing/2014/main" xmlns="" val="3627737408"/>
                     </a:ext>
                   </a:extLst>
                 </a:gridCol>
                 <a:gridCol w="1072764">
                   <a:extLst>
                     <a:ext uri="{9D8B030D-6E8A-4147-A177-3AD203B41FA5}">
-                      <a16:colId xmlns:a16="http://schemas.microsoft.com/office/drawing/2014/main" val="2009868258"/>
+                      <a16:colId xmlns:a16="http://schemas.microsoft.com/office/drawing/2014/main" xmlns="" val="2009868258"/>
                     </a:ext>
                   </a:extLst>
                 </a:gridCol>
@@ -7178,7 +7228,7 @@
                 </a:tc>
                 <a:extLst>
                   <a:ext uri="{0D108BD9-81ED-4DB2-BD59-A6C34878D82A}">
-                    <a16:rowId xmlns:a16="http://schemas.microsoft.com/office/drawing/2014/main" val="1551727146"/>
+                    <a16:rowId xmlns:a16="http://schemas.microsoft.com/office/drawing/2014/main" xmlns="" val="1551727146"/>
                   </a:ext>
                 </a:extLst>
               </a:tr>
@@ -7191,7 +7241,7 @@
           <p:cNvPr id="6" name="Table 6">
             <a:extLst>
               <a:ext uri="{FF2B5EF4-FFF2-40B4-BE49-F238E27FC236}">
-                <a16:creationId xmlns:a16="http://schemas.microsoft.com/office/drawing/2014/main" id="{807EDE74-E869-4CD1-9A3F-0AAA85C2D3F0}"/>
+                <a16:creationId xmlns:a16="http://schemas.microsoft.com/office/drawing/2014/main" xmlns="" id="{807EDE74-E869-4CD1-9A3F-0AAA85C2D3F0}"/>
               </a:ext>
             </a:extLst>
           </p:cNvPr>
@@ -7214,35 +7264,35 @@
                 <a:gridCol w="954729">
                   <a:extLst>
                     <a:ext uri="{9D8B030D-6E8A-4147-A177-3AD203B41FA5}">
-                      <a16:colId xmlns:a16="http://schemas.microsoft.com/office/drawing/2014/main" val="829075147"/>
+                      <a16:colId xmlns:a16="http://schemas.microsoft.com/office/drawing/2014/main" xmlns="" val="829075147"/>
                     </a:ext>
                   </a:extLst>
                 </a:gridCol>
                 <a:gridCol w="954729">
                   <a:extLst>
                     <a:ext uri="{9D8B030D-6E8A-4147-A177-3AD203B41FA5}">
-                      <a16:colId xmlns:a16="http://schemas.microsoft.com/office/drawing/2014/main" val="2003238021"/>
+                      <a16:colId xmlns:a16="http://schemas.microsoft.com/office/drawing/2014/main" xmlns="" val="2003238021"/>
                     </a:ext>
                   </a:extLst>
                 </a:gridCol>
                 <a:gridCol w="954729">
                   <a:extLst>
                     <a:ext uri="{9D8B030D-6E8A-4147-A177-3AD203B41FA5}">
-                      <a16:colId xmlns:a16="http://schemas.microsoft.com/office/drawing/2014/main" val="1923740798"/>
+                      <a16:colId xmlns:a16="http://schemas.microsoft.com/office/drawing/2014/main" xmlns="" val="1923740798"/>
                     </a:ext>
                   </a:extLst>
                 </a:gridCol>
                 <a:gridCol w="954729">
                   <a:extLst>
                     <a:ext uri="{9D8B030D-6E8A-4147-A177-3AD203B41FA5}">
-                      <a16:colId xmlns:a16="http://schemas.microsoft.com/office/drawing/2014/main" val="3643831511"/>
+                      <a16:colId xmlns:a16="http://schemas.microsoft.com/office/drawing/2014/main" xmlns="" val="3643831511"/>
                     </a:ext>
                   </a:extLst>
                 </a:gridCol>
                 <a:gridCol w="954729">
                   <a:extLst>
                     <a:ext uri="{9D8B030D-6E8A-4147-A177-3AD203B41FA5}">
-                      <a16:colId xmlns:a16="http://schemas.microsoft.com/office/drawing/2014/main" val="1476331452"/>
+                      <a16:colId xmlns:a16="http://schemas.microsoft.com/office/drawing/2014/main" xmlns="" val="1476331452"/>
                     </a:ext>
                   </a:extLst>
                 </a:gridCol>
@@ -7315,7 +7365,7 @@
                 </a:tc>
                 <a:extLst>
                   <a:ext uri="{0D108BD9-81ED-4DB2-BD59-A6C34878D82A}">
-                    <a16:rowId xmlns:a16="http://schemas.microsoft.com/office/drawing/2014/main" val="2838942801"/>
+                    <a16:rowId xmlns:a16="http://schemas.microsoft.com/office/drawing/2014/main" xmlns="" val="2838942801"/>
                   </a:ext>
                 </a:extLst>
               </a:tr>
@@ -7328,7 +7378,7 @@
           <p:cNvPr id="8" name="Table 8">
             <a:extLst>
               <a:ext uri="{FF2B5EF4-FFF2-40B4-BE49-F238E27FC236}">
-                <a16:creationId xmlns:a16="http://schemas.microsoft.com/office/drawing/2014/main" id="{79ABAF5C-2867-4D42-99BB-8E9C7201BA43}"/>
+                <a16:creationId xmlns:a16="http://schemas.microsoft.com/office/drawing/2014/main" xmlns="" id="{79ABAF5C-2867-4D42-99BB-8E9C7201BA43}"/>
               </a:ext>
             </a:extLst>
           </p:cNvPr>
@@ -7351,21 +7401,21 @@
                 <a:gridCol w="1119479">
                   <a:extLst>
                     <a:ext uri="{9D8B030D-6E8A-4147-A177-3AD203B41FA5}">
-                      <a16:colId xmlns:a16="http://schemas.microsoft.com/office/drawing/2014/main" val="1262364728"/>
+                      <a16:colId xmlns:a16="http://schemas.microsoft.com/office/drawing/2014/main" xmlns="" val="1262364728"/>
                     </a:ext>
                   </a:extLst>
                 </a:gridCol>
                 <a:gridCol w="1119479">
                   <a:extLst>
                     <a:ext uri="{9D8B030D-6E8A-4147-A177-3AD203B41FA5}">
-                      <a16:colId xmlns:a16="http://schemas.microsoft.com/office/drawing/2014/main" val="1813937375"/>
+                      <a16:colId xmlns:a16="http://schemas.microsoft.com/office/drawing/2014/main" xmlns="" val="1813937375"/>
                     </a:ext>
                   </a:extLst>
                 </a:gridCol>
                 <a:gridCol w="1119479">
                   <a:extLst>
                     <a:ext uri="{9D8B030D-6E8A-4147-A177-3AD203B41FA5}">
-                      <a16:colId xmlns:a16="http://schemas.microsoft.com/office/drawing/2014/main" val="749812109"/>
+                      <a16:colId xmlns:a16="http://schemas.microsoft.com/office/drawing/2014/main" xmlns="" val="749812109"/>
                     </a:ext>
                   </a:extLst>
                 </a:gridCol>
@@ -7412,7 +7462,7 @@
                 </a:tc>
                 <a:extLst>
                   <a:ext uri="{0D108BD9-81ED-4DB2-BD59-A6C34878D82A}">
-                    <a16:rowId xmlns:a16="http://schemas.microsoft.com/office/drawing/2014/main" val="3268919907"/>
+                    <a16:rowId xmlns:a16="http://schemas.microsoft.com/office/drawing/2014/main" xmlns="" val="3268919907"/>
                   </a:ext>
                 </a:extLst>
               </a:tr>
@@ -7425,7 +7475,7 @@
           <p:cNvPr id="10" name="TextBox 9">
             <a:extLst>
               <a:ext uri="{FF2B5EF4-FFF2-40B4-BE49-F238E27FC236}">
-                <a16:creationId xmlns:a16="http://schemas.microsoft.com/office/drawing/2014/main" id="{CB9E129F-ED8C-43A1-B63E-85CEB8B925F0}"/>
+                <a16:creationId xmlns:a16="http://schemas.microsoft.com/office/drawing/2014/main" xmlns="" id="{CB9E129F-ED8C-43A1-B63E-85CEB8B925F0}"/>
               </a:ext>
             </a:extLst>
           </p:cNvPr>
@@ -7464,7 +7514,7 @@
           <p:cNvPr id="11" name="TextBox 10">
             <a:extLst>
               <a:ext uri="{FF2B5EF4-FFF2-40B4-BE49-F238E27FC236}">
-                <a16:creationId xmlns:a16="http://schemas.microsoft.com/office/drawing/2014/main" id="{B43BEB25-2BBA-4851-B634-E52FAF7FFA9A}"/>
+                <a16:creationId xmlns:a16="http://schemas.microsoft.com/office/drawing/2014/main" xmlns="" id="{B43BEB25-2BBA-4851-B634-E52FAF7FFA9A}"/>
               </a:ext>
             </a:extLst>
           </p:cNvPr>
@@ -7505,7 +7555,7 @@
           <p:cNvPr id="12" name="TextBox 11">
             <a:extLst>
               <a:ext uri="{FF2B5EF4-FFF2-40B4-BE49-F238E27FC236}">
-                <a16:creationId xmlns:a16="http://schemas.microsoft.com/office/drawing/2014/main" id="{3D988ACD-6E4D-468A-A884-49BBECF1AEC7}"/>
+                <a16:creationId xmlns:a16="http://schemas.microsoft.com/office/drawing/2014/main" xmlns="" id="{3D988ACD-6E4D-468A-A884-49BBECF1AEC7}"/>
               </a:ext>
             </a:extLst>
           </p:cNvPr>
@@ -7546,7 +7596,7 @@
           <p:cNvPr id="13" name="TextBox 12">
             <a:extLst>
               <a:ext uri="{FF2B5EF4-FFF2-40B4-BE49-F238E27FC236}">
-                <a16:creationId xmlns:a16="http://schemas.microsoft.com/office/drawing/2014/main" id="{1B33832E-AEB6-4589-9CDF-977264078580}"/>
+                <a16:creationId xmlns:a16="http://schemas.microsoft.com/office/drawing/2014/main" xmlns="" id="{1B33832E-AEB6-4589-9CDF-977264078580}"/>
               </a:ext>
             </a:extLst>
           </p:cNvPr>
@@ -7670,7 +7720,7 @@
           <p:cNvPr id="2" name="Title 1">
             <a:extLst>
               <a:ext uri="{FF2B5EF4-FFF2-40B4-BE49-F238E27FC236}">
-                <a16:creationId xmlns:a16="http://schemas.microsoft.com/office/drawing/2014/main" id="{9AD4105D-0C88-402A-9EDC-C78E76D1D76A}"/>
+                <a16:creationId xmlns:a16="http://schemas.microsoft.com/office/drawing/2014/main" xmlns="" id="{9AD4105D-0C88-402A-9EDC-C78E76D1D76A}"/>
               </a:ext>
             </a:extLst>
           </p:cNvPr>
@@ -7701,7 +7751,7 @@
           <p:cNvPr id="4" name="Table 4">
             <a:extLst>
               <a:ext uri="{FF2B5EF4-FFF2-40B4-BE49-F238E27FC236}">
-                <a16:creationId xmlns:a16="http://schemas.microsoft.com/office/drawing/2014/main" id="{A4259A7E-50AE-4098-98B5-989793345343}"/>
+                <a16:creationId xmlns:a16="http://schemas.microsoft.com/office/drawing/2014/main" xmlns="" id="{A4259A7E-50AE-4098-98B5-989793345343}"/>
               </a:ext>
             </a:extLst>
           </p:cNvPr>
@@ -7726,35 +7776,35 @@
                 <a:gridCol w="1072764">
                   <a:extLst>
                     <a:ext uri="{9D8B030D-6E8A-4147-A177-3AD203B41FA5}">
-                      <a16:colId xmlns:a16="http://schemas.microsoft.com/office/drawing/2014/main" val="2614742482"/>
+                      <a16:colId xmlns:a16="http://schemas.microsoft.com/office/drawing/2014/main" xmlns="" val="2614742482"/>
                     </a:ext>
                   </a:extLst>
                 </a:gridCol>
                 <a:gridCol w="1072764">
                   <a:extLst>
                     <a:ext uri="{9D8B030D-6E8A-4147-A177-3AD203B41FA5}">
-                      <a16:colId xmlns:a16="http://schemas.microsoft.com/office/drawing/2014/main" val="2229943911"/>
+                      <a16:colId xmlns:a16="http://schemas.microsoft.com/office/drawing/2014/main" xmlns="" val="2229943911"/>
                     </a:ext>
                   </a:extLst>
                 </a:gridCol>
                 <a:gridCol w="1072764">
                   <a:extLst>
                     <a:ext uri="{9D8B030D-6E8A-4147-A177-3AD203B41FA5}">
-                      <a16:colId xmlns:a16="http://schemas.microsoft.com/office/drawing/2014/main" val="1219341843"/>
+                      <a16:colId xmlns:a16="http://schemas.microsoft.com/office/drawing/2014/main" xmlns="" val="1219341843"/>
                     </a:ext>
                   </a:extLst>
                 </a:gridCol>
                 <a:gridCol w="1072764">
                   <a:extLst>
                     <a:ext uri="{9D8B030D-6E8A-4147-A177-3AD203B41FA5}">
-                      <a16:colId xmlns:a16="http://schemas.microsoft.com/office/drawing/2014/main" val="3627737408"/>
+                      <a16:colId xmlns:a16="http://schemas.microsoft.com/office/drawing/2014/main" xmlns="" val="3627737408"/>
                     </a:ext>
                   </a:extLst>
                 </a:gridCol>
                 <a:gridCol w="1072764">
                   <a:extLst>
                     <a:ext uri="{9D8B030D-6E8A-4147-A177-3AD203B41FA5}">
-                      <a16:colId xmlns:a16="http://schemas.microsoft.com/office/drawing/2014/main" val="2009868258"/>
+                      <a16:colId xmlns:a16="http://schemas.microsoft.com/office/drawing/2014/main" xmlns="" val="2009868258"/>
                     </a:ext>
                   </a:extLst>
                 </a:gridCol>
@@ -7830,7 +7880,7 @@
                 </a:tc>
                 <a:extLst>
                   <a:ext uri="{0D108BD9-81ED-4DB2-BD59-A6C34878D82A}">
-                    <a16:rowId xmlns:a16="http://schemas.microsoft.com/office/drawing/2014/main" val="1551727146"/>
+                    <a16:rowId xmlns:a16="http://schemas.microsoft.com/office/drawing/2014/main" xmlns="" val="1551727146"/>
                   </a:ext>
                 </a:extLst>
               </a:tr>
@@ -7843,7 +7893,7 @@
           <p:cNvPr id="6" name="Table 6">
             <a:extLst>
               <a:ext uri="{FF2B5EF4-FFF2-40B4-BE49-F238E27FC236}">
-                <a16:creationId xmlns:a16="http://schemas.microsoft.com/office/drawing/2014/main" id="{807EDE74-E869-4CD1-9A3F-0AAA85C2D3F0}"/>
+                <a16:creationId xmlns:a16="http://schemas.microsoft.com/office/drawing/2014/main" xmlns="" id="{807EDE74-E869-4CD1-9A3F-0AAA85C2D3F0}"/>
               </a:ext>
             </a:extLst>
           </p:cNvPr>
@@ -7866,35 +7916,35 @@
                 <a:gridCol w="954729">
                   <a:extLst>
                     <a:ext uri="{9D8B030D-6E8A-4147-A177-3AD203B41FA5}">
-                      <a16:colId xmlns:a16="http://schemas.microsoft.com/office/drawing/2014/main" val="829075147"/>
+                      <a16:colId xmlns:a16="http://schemas.microsoft.com/office/drawing/2014/main" xmlns="" val="829075147"/>
                     </a:ext>
                   </a:extLst>
                 </a:gridCol>
                 <a:gridCol w="954729">
                   <a:extLst>
                     <a:ext uri="{9D8B030D-6E8A-4147-A177-3AD203B41FA5}">
-                      <a16:colId xmlns:a16="http://schemas.microsoft.com/office/drawing/2014/main" val="2003238021"/>
+                      <a16:colId xmlns:a16="http://schemas.microsoft.com/office/drawing/2014/main" xmlns="" val="2003238021"/>
                     </a:ext>
                   </a:extLst>
                 </a:gridCol>
                 <a:gridCol w="954729">
                   <a:extLst>
                     <a:ext uri="{9D8B030D-6E8A-4147-A177-3AD203B41FA5}">
-                      <a16:colId xmlns:a16="http://schemas.microsoft.com/office/drawing/2014/main" val="1923740798"/>
+                      <a16:colId xmlns:a16="http://schemas.microsoft.com/office/drawing/2014/main" xmlns="" val="1923740798"/>
                     </a:ext>
                   </a:extLst>
                 </a:gridCol>
                 <a:gridCol w="954729">
                   <a:extLst>
                     <a:ext uri="{9D8B030D-6E8A-4147-A177-3AD203B41FA5}">
-                      <a16:colId xmlns:a16="http://schemas.microsoft.com/office/drawing/2014/main" val="3643831511"/>
+                      <a16:colId xmlns:a16="http://schemas.microsoft.com/office/drawing/2014/main" xmlns="" val="3643831511"/>
                     </a:ext>
                   </a:extLst>
                 </a:gridCol>
                 <a:gridCol w="954729">
                   <a:extLst>
                     <a:ext uri="{9D8B030D-6E8A-4147-A177-3AD203B41FA5}">
-                      <a16:colId xmlns:a16="http://schemas.microsoft.com/office/drawing/2014/main" val="1476331452"/>
+                      <a16:colId xmlns:a16="http://schemas.microsoft.com/office/drawing/2014/main" xmlns="" val="1476331452"/>
                     </a:ext>
                   </a:extLst>
                 </a:gridCol>
@@ -7967,7 +8017,7 @@
                 </a:tc>
                 <a:extLst>
                   <a:ext uri="{0D108BD9-81ED-4DB2-BD59-A6C34878D82A}">
-                    <a16:rowId xmlns:a16="http://schemas.microsoft.com/office/drawing/2014/main" val="2838942801"/>
+                    <a16:rowId xmlns:a16="http://schemas.microsoft.com/office/drawing/2014/main" xmlns="" val="2838942801"/>
                   </a:ext>
                 </a:extLst>
               </a:tr>
@@ -7980,7 +8030,7 @@
           <p:cNvPr id="8" name="Table 8">
             <a:extLst>
               <a:ext uri="{FF2B5EF4-FFF2-40B4-BE49-F238E27FC236}">
-                <a16:creationId xmlns:a16="http://schemas.microsoft.com/office/drawing/2014/main" id="{79ABAF5C-2867-4D42-99BB-8E9C7201BA43}"/>
+                <a16:creationId xmlns:a16="http://schemas.microsoft.com/office/drawing/2014/main" xmlns="" id="{79ABAF5C-2867-4D42-99BB-8E9C7201BA43}"/>
               </a:ext>
             </a:extLst>
           </p:cNvPr>
@@ -8003,21 +8053,21 @@
                 <a:gridCol w="1119479">
                   <a:extLst>
                     <a:ext uri="{9D8B030D-6E8A-4147-A177-3AD203B41FA5}">
-                      <a16:colId xmlns:a16="http://schemas.microsoft.com/office/drawing/2014/main" val="1262364728"/>
+                      <a16:colId xmlns:a16="http://schemas.microsoft.com/office/drawing/2014/main" xmlns="" val="1262364728"/>
                     </a:ext>
                   </a:extLst>
                 </a:gridCol>
                 <a:gridCol w="1119479">
                   <a:extLst>
                     <a:ext uri="{9D8B030D-6E8A-4147-A177-3AD203B41FA5}">
-                      <a16:colId xmlns:a16="http://schemas.microsoft.com/office/drawing/2014/main" val="1813937375"/>
+                      <a16:colId xmlns:a16="http://schemas.microsoft.com/office/drawing/2014/main" xmlns="" val="1813937375"/>
                     </a:ext>
                   </a:extLst>
                 </a:gridCol>
                 <a:gridCol w="1119479">
                   <a:extLst>
                     <a:ext uri="{9D8B030D-6E8A-4147-A177-3AD203B41FA5}">
-                      <a16:colId xmlns:a16="http://schemas.microsoft.com/office/drawing/2014/main" val="749812109"/>
+                      <a16:colId xmlns:a16="http://schemas.microsoft.com/office/drawing/2014/main" xmlns="" val="749812109"/>
                     </a:ext>
                   </a:extLst>
                 </a:gridCol>
@@ -8064,7 +8114,7 @@
                 </a:tc>
                 <a:extLst>
                   <a:ext uri="{0D108BD9-81ED-4DB2-BD59-A6C34878D82A}">
-                    <a16:rowId xmlns:a16="http://schemas.microsoft.com/office/drawing/2014/main" val="3268919907"/>
+                    <a16:rowId xmlns:a16="http://schemas.microsoft.com/office/drawing/2014/main" xmlns="" val="3268919907"/>
                   </a:ext>
                 </a:extLst>
               </a:tr>
@@ -8077,7 +8127,7 @@
           <p:cNvPr id="10" name="TextBox 9">
             <a:extLst>
               <a:ext uri="{FF2B5EF4-FFF2-40B4-BE49-F238E27FC236}">
-                <a16:creationId xmlns:a16="http://schemas.microsoft.com/office/drawing/2014/main" id="{CB9E129F-ED8C-43A1-B63E-85CEB8B925F0}"/>
+                <a16:creationId xmlns:a16="http://schemas.microsoft.com/office/drawing/2014/main" xmlns="" id="{CB9E129F-ED8C-43A1-B63E-85CEB8B925F0}"/>
               </a:ext>
             </a:extLst>
           </p:cNvPr>
@@ -8116,7 +8166,7 @@
           <p:cNvPr id="11" name="TextBox 10">
             <a:extLst>
               <a:ext uri="{FF2B5EF4-FFF2-40B4-BE49-F238E27FC236}">
-                <a16:creationId xmlns:a16="http://schemas.microsoft.com/office/drawing/2014/main" id="{B43BEB25-2BBA-4851-B634-E52FAF7FFA9A}"/>
+                <a16:creationId xmlns:a16="http://schemas.microsoft.com/office/drawing/2014/main" xmlns="" id="{B43BEB25-2BBA-4851-B634-E52FAF7FFA9A}"/>
               </a:ext>
             </a:extLst>
           </p:cNvPr>
@@ -8157,7 +8207,7 @@
           <p:cNvPr id="12" name="TextBox 11">
             <a:extLst>
               <a:ext uri="{FF2B5EF4-FFF2-40B4-BE49-F238E27FC236}">
-                <a16:creationId xmlns:a16="http://schemas.microsoft.com/office/drawing/2014/main" id="{3D988ACD-6E4D-468A-A884-49BBECF1AEC7}"/>
+                <a16:creationId xmlns:a16="http://schemas.microsoft.com/office/drawing/2014/main" xmlns="" id="{3D988ACD-6E4D-468A-A884-49BBECF1AEC7}"/>
               </a:ext>
             </a:extLst>
           </p:cNvPr>
@@ -8198,7 +8248,7 @@
           <p:cNvPr id="13" name="TextBox 12">
             <a:extLst>
               <a:ext uri="{FF2B5EF4-FFF2-40B4-BE49-F238E27FC236}">
-                <a16:creationId xmlns:a16="http://schemas.microsoft.com/office/drawing/2014/main" id="{1B33832E-AEB6-4589-9CDF-977264078580}"/>
+                <a16:creationId xmlns:a16="http://schemas.microsoft.com/office/drawing/2014/main" xmlns="" id="{1B33832E-AEB6-4589-9CDF-977264078580}"/>
               </a:ext>
             </a:extLst>
           </p:cNvPr>
@@ -8270,6 +8320,13 @@
                 <a:cs typeface="+mn-lt"/>
               </a:rPr>
               <a:t>UNION </a:t>
+            </a:r>
+            <a:r>
+              <a:rPr lang="en-US" dirty="0">
+                <a:ea typeface="+mn-lt"/>
+                <a:cs typeface="+mn-lt"/>
+              </a:rPr>
+              <a:t/>
             </a:r>
             <a:br>
               <a:rPr lang="en-US" dirty="0">
@@ -8503,7 +8560,7 @@
           <p:cNvPr id="2" name="Title 1">
             <a:extLst>
               <a:ext uri="{FF2B5EF4-FFF2-40B4-BE49-F238E27FC236}">
-                <a16:creationId xmlns:a16="http://schemas.microsoft.com/office/drawing/2014/main" id="{CC23A672-027E-4483-8FBD-5ED52EEB80BA}"/>
+                <a16:creationId xmlns:a16="http://schemas.microsoft.com/office/drawing/2014/main" xmlns="" id="{CC23A672-027E-4483-8FBD-5ED52EEB80BA}"/>
               </a:ext>
             </a:extLst>
           </p:cNvPr>
@@ -8534,7 +8591,7 @@
           <p:cNvPr id="3" name="Content Placeholder 2">
             <a:extLst>
               <a:ext uri="{FF2B5EF4-FFF2-40B4-BE49-F238E27FC236}">
-                <a16:creationId xmlns:a16="http://schemas.microsoft.com/office/drawing/2014/main" id="{121E94BE-3F02-44E7-A135-0E7977B07CB2}"/>
+                <a16:creationId xmlns:a16="http://schemas.microsoft.com/office/drawing/2014/main" xmlns="" id="{121E94BE-3F02-44E7-A135-0E7977B07CB2}"/>
               </a:ext>
             </a:extLst>
           </p:cNvPr>
@@ -8579,7 +8636,7 @@
           <p:cNvPr id="5" name="TextBox 4">
             <a:extLst>
               <a:ext uri="{FF2B5EF4-FFF2-40B4-BE49-F238E27FC236}">
-                <a16:creationId xmlns:a16="http://schemas.microsoft.com/office/drawing/2014/main" id="{82FBCB0D-D21A-4B42-92BA-CE1B53837EF9}"/>
+                <a16:creationId xmlns:a16="http://schemas.microsoft.com/office/drawing/2014/main" xmlns="" id="{82FBCB0D-D21A-4B42-92BA-CE1B53837EF9}"/>
               </a:ext>
             </a:extLst>
           </p:cNvPr>
@@ -8648,6 +8705,13 @@
                 <a:cs typeface="+mn-lt"/>
               </a:rPr>
               <a:t>UNION </a:t>
+            </a:r>
+            <a:r>
+              <a:rPr lang="en-US" dirty="0">
+                <a:ea typeface="+mn-lt"/>
+                <a:cs typeface="+mn-lt"/>
+              </a:rPr>
+              <a:t/>
             </a:r>
             <a:br>
               <a:rPr lang="en-US" dirty="0">
@@ -8721,7 +8785,7 @@
           <p:cNvPr id="2" name="Title 1">
             <a:extLst>
               <a:ext uri="{FF2B5EF4-FFF2-40B4-BE49-F238E27FC236}">
-                <a16:creationId xmlns:a16="http://schemas.microsoft.com/office/drawing/2014/main" id="{9AD4105D-0C88-402A-9EDC-C78E76D1D76A}"/>
+                <a16:creationId xmlns:a16="http://schemas.microsoft.com/office/drawing/2014/main" xmlns="" id="{9AD4105D-0C88-402A-9EDC-C78E76D1D76A}"/>
               </a:ext>
             </a:extLst>
           </p:cNvPr>
@@ -8757,7 +8821,7 @@
           <p:cNvPr id="4" name="Table 4">
             <a:extLst>
               <a:ext uri="{FF2B5EF4-FFF2-40B4-BE49-F238E27FC236}">
-                <a16:creationId xmlns:a16="http://schemas.microsoft.com/office/drawing/2014/main" id="{A4259A7E-50AE-4098-98B5-989793345343}"/>
+                <a16:creationId xmlns:a16="http://schemas.microsoft.com/office/drawing/2014/main" xmlns="" id="{A4259A7E-50AE-4098-98B5-989793345343}"/>
               </a:ext>
             </a:extLst>
           </p:cNvPr>
@@ -8782,35 +8846,35 @@
                 <a:gridCol w="1072764">
                   <a:extLst>
                     <a:ext uri="{9D8B030D-6E8A-4147-A177-3AD203B41FA5}">
-                      <a16:colId xmlns:a16="http://schemas.microsoft.com/office/drawing/2014/main" val="2614742482"/>
+                      <a16:colId xmlns:a16="http://schemas.microsoft.com/office/drawing/2014/main" xmlns="" val="2614742482"/>
                     </a:ext>
                   </a:extLst>
                 </a:gridCol>
                 <a:gridCol w="1072764">
                   <a:extLst>
                     <a:ext uri="{9D8B030D-6E8A-4147-A177-3AD203B41FA5}">
-                      <a16:colId xmlns:a16="http://schemas.microsoft.com/office/drawing/2014/main" val="2229943911"/>
+                      <a16:colId xmlns:a16="http://schemas.microsoft.com/office/drawing/2014/main" xmlns="" val="2229943911"/>
                     </a:ext>
                   </a:extLst>
                 </a:gridCol>
                 <a:gridCol w="1072764">
                   <a:extLst>
                     <a:ext uri="{9D8B030D-6E8A-4147-A177-3AD203B41FA5}">
-                      <a16:colId xmlns:a16="http://schemas.microsoft.com/office/drawing/2014/main" val="1219341843"/>
+                      <a16:colId xmlns:a16="http://schemas.microsoft.com/office/drawing/2014/main" xmlns="" val="1219341843"/>
                     </a:ext>
                   </a:extLst>
                 </a:gridCol>
                 <a:gridCol w="1072764">
                   <a:extLst>
                     <a:ext uri="{9D8B030D-6E8A-4147-A177-3AD203B41FA5}">
-                      <a16:colId xmlns:a16="http://schemas.microsoft.com/office/drawing/2014/main" val="3627737408"/>
+                      <a16:colId xmlns:a16="http://schemas.microsoft.com/office/drawing/2014/main" xmlns="" val="3627737408"/>
                     </a:ext>
                   </a:extLst>
                 </a:gridCol>
                 <a:gridCol w="1072764">
                   <a:extLst>
                     <a:ext uri="{9D8B030D-6E8A-4147-A177-3AD203B41FA5}">
-                      <a16:colId xmlns:a16="http://schemas.microsoft.com/office/drawing/2014/main" val="2009868258"/>
+                      <a16:colId xmlns:a16="http://schemas.microsoft.com/office/drawing/2014/main" xmlns="" val="2009868258"/>
                     </a:ext>
                   </a:extLst>
                 </a:gridCol>
@@ -8886,7 +8950,7 @@
                 </a:tc>
                 <a:extLst>
                   <a:ext uri="{0D108BD9-81ED-4DB2-BD59-A6C34878D82A}">
-                    <a16:rowId xmlns:a16="http://schemas.microsoft.com/office/drawing/2014/main" val="1551727146"/>
+                    <a16:rowId xmlns:a16="http://schemas.microsoft.com/office/drawing/2014/main" xmlns="" val="1551727146"/>
                   </a:ext>
                 </a:extLst>
               </a:tr>
@@ -8899,7 +8963,7 @@
           <p:cNvPr id="6" name="Table 6">
             <a:extLst>
               <a:ext uri="{FF2B5EF4-FFF2-40B4-BE49-F238E27FC236}">
-                <a16:creationId xmlns:a16="http://schemas.microsoft.com/office/drawing/2014/main" id="{807EDE74-E869-4CD1-9A3F-0AAA85C2D3F0}"/>
+                <a16:creationId xmlns:a16="http://schemas.microsoft.com/office/drawing/2014/main" xmlns="" id="{807EDE74-E869-4CD1-9A3F-0AAA85C2D3F0}"/>
               </a:ext>
             </a:extLst>
           </p:cNvPr>
@@ -8922,35 +8986,35 @@
                 <a:gridCol w="954729">
                   <a:extLst>
                     <a:ext uri="{9D8B030D-6E8A-4147-A177-3AD203B41FA5}">
-                      <a16:colId xmlns:a16="http://schemas.microsoft.com/office/drawing/2014/main" val="829075147"/>
+                      <a16:colId xmlns:a16="http://schemas.microsoft.com/office/drawing/2014/main" xmlns="" val="829075147"/>
                     </a:ext>
                   </a:extLst>
                 </a:gridCol>
                 <a:gridCol w="954729">
                   <a:extLst>
                     <a:ext uri="{9D8B030D-6E8A-4147-A177-3AD203B41FA5}">
-                      <a16:colId xmlns:a16="http://schemas.microsoft.com/office/drawing/2014/main" val="2003238021"/>
+                      <a16:colId xmlns:a16="http://schemas.microsoft.com/office/drawing/2014/main" xmlns="" val="2003238021"/>
                     </a:ext>
                   </a:extLst>
                 </a:gridCol>
                 <a:gridCol w="954729">
                   <a:extLst>
                     <a:ext uri="{9D8B030D-6E8A-4147-A177-3AD203B41FA5}">
-                      <a16:colId xmlns:a16="http://schemas.microsoft.com/office/drawing/2014/main" val="1923740798"/>
+                      <a16:colId xmlns:a16="http://schemas.microsoft.com/office/drawing/2014/main" xmlns="" val="1923740798"/>
                     </a:ext>
                   </a:extLst>
                 </a:gridCol>
                 <a:gridCol w="954729">
                   <a:extLst>
                     <a:ext uri="{9D8B030D-6E8A-4147-A177-3AD203B41FA5}">
-                      <a16:colId xmlns:a16="http://schemas.microsoft.com/office/drawing/2014/main" val="3643831511"/>
+                      <a16:colId xmlns:a16="http://schemas.microsoft.com/office/drawing/2014/main" xmlns="" val="3643831511"/>
                     </a:ext>
                   </a:extLst>
                 </a:gridCol>
                 <a:gridCol w="954729">
                   <a:extLst>
                     <a:ext uri="{9D8B030D-6E8A-4147-A177-3AD203B41FA5}">
-                      <a16:colId xmlns:a16="http://schemas.microsoft.com/office/drawing/2014/main" val="1476331452"/>
+                      <a16:colId xmlns:a16="http://schemas.microsoft.com/office/drawing/2014/main" xmlns="" val="1476331452"/>
                     </a:ext>
                   </a:extLst>
                 </a:gridCol>
@@ -9023,7 +9087,7 @@
                 </a:tc>
                 <a:extLst>
                   <a:ext uri="{0D108BD9-81ED-4DB2-BD59-A6C34878D82A}">
-                    <a16:rowId xmlns:a16="http://schemas.microsoft.com/office/drawing/2014/main" val="2838942801"/>
+                    <a16:rowId xmlns:a16="http://schemas.microsoft.com/office/drawing/2014/main" xmlns="" val="2838942801"/>
                   </a:ext>
                 </a:extLst>
               </a:tr>
@@ -9036,7 +9100,7 @@
           <p:cNvPr id="8" name="Table 8">
             <a:extLst>
               <a:ext uri="{FF2B5EF4-FFF2-40B4-BE49-F238E27FC236}">
-                <a16:creationId xmlns:a16="http://schemas.microsoft.com/office/drawing/2014/main" id="{79ABAF5C-2867-4D42-99BB-8E9C7201BA43}"/>
+                <a16:creationId xmlns:a16="http://schemas.microsoft.com/office/drawing/2014/main" xmlns="" id="{79ABAF5C-2867-4D42-99BB-8E9C7201BA43}"/>
               </a:ext>
             </a:extLst>
           </p:cNvPr>
@@ -9059,21 +9123,21 @@
                 <a:gridCol w="1119479">
                   <a:extLst>
                     <a:ext uri="{9D8B030D-6E8A-4147-A177-3AD203B41FA5}">
-                      <a16:colId xmlns:a16="http://schemas.microsoft.com/office/drawing/2014/main" val="1262364728"/>
+                      <a16:colId xmlns:a16="http://schemas.microsoft.com/office/drawing/2014/main" xmlns="" val="1262364728"/>
                     </a:ext>
                   </a:extLst>
                 </a:gridCol>
                 <a:gridCol w="1119479">
                   <a:extLst>
                     <a:ext uri="{9D8B030D-6E8A-4147-A177-3AD203B41FA5}">
-                      <a16:colId xmlns:a16="http://schemas.microsoft.com/office/drawing/2014/main" val="1813937375"/>
+                      <a16:colId xmlns:a16="http://schemas.microsoft.com/office/drawing/2014/main" xmlns="" val="1813937375"/>
                     </a:ext>
                   </a:extLst>
                 </a:gridCol>
                 <a:gridCol w="1119479">
                   <a:extLst>
                     <a:ext uri="{9D8B030D-6E8A-4147-A177-3AD203B41FA5}">
-                      <a16:colId xmlns:a16="http://schemas.microsoft.com/office/drawing/2014/main" val="749812109"/>
+                      <a16:colId xmlns:a16="http://schemas.microsoft.com/office/drawing/2014/main" xmlns="" val="749812109"/>
                     </a:ext>
                   </a:extLst>
                 </a:gridCol>
@@ -9120,7 +9184,7 @@
                 </a:tc>
                 <a:extLst>
                   <a:ext uri="{0D108BD9-81ED-4DB2-BD59-A6C34878D82A}">
-                    <a16:rowId xmlns:a16="http://schemas.microsoft.com/office/drawing/2014/main" val="3268919907"/>
+                    <a16:rowId xmlns:a16="http://schemas.microsoft.com/office/drawing/2014/main" xmlns="" val="3268919907"/>
                   </a:ext>
                 </a:extLst>
               </a:tr>
@@ -9133,7 +9197,7 @@
           <p:cNvPr id="10" name="TextBox 9">
             <a:extLst>
               <a:ext uri="{FF2B5EF4-FFF2-40B4-BE49-F238E27FC236}">
-                <a16:creationId xmlns:a16="http://schemas.microsoft.com/office/drawing/2014/main" id="{CB9E129F-ED8C-43A1-B63E-85CEB8B925F0}"/>
+                <a16:creationId xmlns:a16="http://schemas.microsoft.com/office/drawing/2014/main" xmlns="" id="{CB9E129F-ED8C-43A1-B63E-85CEB8B925F0}"/>
               </a:ext>
             </a:extLst>
           </p:cNvPr>
@@ -9172,7 +9236,7 @@
           <p:cNvPr id="11" name="TextBox 10">
             <a:extLst>
               <a:ext uri="{FF2B5EF4-FFF2-40B4-BE49-F238E27FC236}">
-                <a16:creationId xmlns:a16="http://schemas.microsoft.com/office/drawing/2014/main" id="{B43BEB25-2BBA-4851-B634-E52FAF7FFA9A}"/>
+                <a16:creationId xmlns:a16="http://schemas.microsoft.com/office/drawing/2014/main" xmlns="" id="{B43BEB25-2BBA-4851-B634-E52FAF7FFA9A}"/>
               </a:ext>
             </a:extLst>
           </p:cNvPr>
@@ -9213,7 +9277,7 @@
           <p:cNvPr id="12" name="TextBox 11">
             <a:extLst>
               <a:ext uri="{FF2B5EF4-FFF2-40B4-BE49-F238E27FC236}">
-                <a16:creationId xmlns:a16="http://schemas.microsoft.com/office/drawing/2014/main" id="{3D988ACD-6E4D-468A-A884-49BBECF1AEC7}"/>
+                <a16:creationId xmlns:a16="http://schemas.microsoft.com/office/drawing/2014/main" xmlns="" id="{3D988ACD-6E4D-468A-A884-49BBECF1AEC7}"/>
               </a:ext>
             </a:extLst>
           </p:cNvPr>
@@ -9254,7 +9318,7 @@
           <p:cNvPr id="13" name="TextBox 12">
             <a:extLst>
               <a:ext uri="{FF2B5EF4-FFF2-40B4-BE49-F238E27FC236}">
-                <a16:creationId xmlns:a16="http://schemas.microsoft.com/office/drawing/2014/main" id="{1B33832E-AEB6-4589-9CDF-977264078580}"/>
+                <a16:creationId xmlns:a16="http://schemas.microsoft.com/office/drawing/2014/main" xmlns="" id="{1B33832E-AEB6-4589-9CDF-977264078580}"/>
               </a:ext>
             </a:extLst>
           </p:cNvPr>
